--- a/Cloud_Computing/Labs/Assignment/part 1/Solution Template.pptx
+++ b/Cloud_Computing/Labs/Assignment/part 1/Solution Template.pptx
@@ -215,7 +215,7 @@
           <a:p>
             <a:fld id="{901573B9-73F1-8C4E-BD0C-C838745D5DAA}" type="datetimeFigureOut">
               <a:rPr lang="en-GB" smtClean="0"/>
-              <a:t>13/11/2018</a:t>
+              <a:t>14/11/2018</a:t>
             </a:fld>
             <a:endParaRPr lang="en-GB"/>
           </a:p>
@@ -2136,7 +2136,7 @@
           <a:p>
             <a:fld id="{B36DA745-2800-624C-8416-BA05E103A172}" type="datetimeFigureOut">
               <a:rPr lang="en-GB" smtClean="0"/>
-              <a:t>13/11/2018</a:t>
+              <a:t>14/11/2018</a:t>
             </a:fld>
             <a:endParaRPr lang="en-GB"/>
           </a:p>
@@ -2336,7 +2336,7 @@
           <a:p>
             <a:fld id="{B36DA745-2800-624C-8416-BA05E103A172}" type="datetimeFigureOut">
               <a:rPr lang="en-GB" smtClean="0"/>
-              <a:t>13/11/2018</a:t>
+              <a:t>14/11/2018</a:t>
             </a:fld>
             <a:endParaRPr lang="en-GB"/>
           </a:p>
@@ -2546,7 +2546,7 @@
           <a:p>
             <a:fld id="{B36DA745-2800-624C-8416-BA05E103A172}" type="datetimeFigureOut">
               <a:rPr lang="en-GB" smtClean="0"/>
-              <a:t>13/11/2018</a:t>
+              <a:t>14/11/2018</a:t>
             </a:fld>
             <a:endParaRPr lang="en-GB"/>
           </a:p>
@@ -3502,7 +3502,7 @@
           <a:p>
             <a:fld id="{B36DA745-2800-624C-8416-BA05E103A172}" type="datetimeFigureOut">
               <a:rPr lang="en-GB" smtClean="0"/>
-              <a:t>13/11/2018</a:t>
+              <a:t>14/11/2018</a:t>
             </a:fld>
             <a:endParaRPr lang="en-GB"/>
           </a:p>
@@ -3778,7 +3778,7 @@
           <a:p>
             <a:fld id="{B36DA745-2800-624C-8416-BA05E103A172}" type="datetimeFigureOut">
               <a:rPr lang="en-GB" smtClean="0"/>
-              <a:t>13/11/2018</a:t>
+              <a:t>14/11/2018</a:t>
             </a:fld>
             <a:endParaRPr lang="en-GB"/>
           </a:p>
@@ -4046,7 +4046,7 @@
           <a:p>
             <a:fld id="{B36DA745-2800-624C-8416-BA05E103A172}" type="datetimeFigureOut">
               <a:rPr lang="en-GB" smtClean="0"/>
-              <a:t>13/11/2018</a:t>
+              <a:t>14/11/2018</a:t>
             </a:fld>
             <a:endParaRPr lang="en-GB"/>
           </a:p>
@@ -4461,7 +4461,7 @@
           <a:p>
             <a:fld id="{B36DA745-2800-624C-8416-BA05E103A172}" type="datetimeFigureOut">
               <a:rPr lang="en-GB" smtClean="0"/>
-              <a:t>13/11/2018</a:t>
+              <a:t>14/11/2018</a:t>
             </a:fld>
             <a:endParaRPr lang="en-GB"/>
           </a:p>
@@ -4603,7 +4603,7 @@
           <a:p>
             <a:fld id="{B36DA745-2800-624C-8416-BA05E103A172}" type="datetimeFigureOut">
               <a:rPr lang="en-GB" smtClean="0"/>
-              <a:t>13/11/2018</a:t>
+              <a:t>14/11/2018</a:t>
             </a:fld>
             <a:endParaRPr lang="en-GB"/>
           </a:p>
@@ -4716,7 +4716,7 @@
           <a:p>
             <a:fld id="{B36DA745-2800-624C-8416-BA05E103A172}" type="datetimeFigureOut">
               <a:rPr lang="en-GB" smtClean="0"/>
-              <a:t>13/11/2018</a:t>
+              <a:t>14/11/2018</a:t>
             </a:fld>
             <a:endParaRPr lang="en-GB"/>
           </a:p>
@@ -5029,7 +5029,7 @@
           <a:p>
             <a:fld id="{B36DA745-2800-624C-8416-BA05E103A172}" type="datetimeFigureOut">
               <a:rPr lang="en-GB" smtClean="0"/>
-              <a:t>13/11/2018</a:t>
+              <a:t>14/11/2018</a:t>
             </a:fld>
             <a:endParaRPr lang="en-GB"/>
           </a:p>
@@ -5318,7 +5318,7 @@
           <a:p>
             <a:fld id="{B36DA745-2800-624C-8416-BA05E103A172}" type="datetimeFigureOut">
               <a:rPr lang="en-GB" smtClean="0"/>
-              <a:t>13/11/2018</a:t>
+              <a:t>14/11/2018</a:t>
             </a:fld>
             <a:endParaRPr lang="en-GB"/>
           </a:p>
@@ -5561,7 +5561,7 @@
           <a:p>
             <a:fld id="{B36DA745-2800-624C-8416-BA05E103A172}" type="datetimeFigureOut">
               <a:rPr lang="en-GB" smtClean="0"/>
-              <a:t>13/11/2018</a:t>
+              <a:t>14/11/2018</a:t>
             </a:fld>
             <a:endParaRPr lang="en-GB"/>
           </a:p>
@@ -14862,14 +14862,14 @@
           <p:nvPr>
             <p:extLst>
               <p:ext uri="{D42A27DB-BD31-4B8C-83A1-F6EECF244321}">
-                <p14:modId xmlns:p14="http://schemas.microsoft.com/office/powerpoint/2010/main" val="3355596949"/>
+                <p14:modId xmlns:p14="http://schemas.microsoft.com/office/powerpoint/2010/main" val="2817604091"/>
               </p:ext>
             </p:extLst>
           </p:nvPr>
         </p:nvGraphicFramePr>
         <p:xfrm>
           <a:off x="0" y="1263193"/>
-          <a:ext cx="12191999" cy="4871869"/>
+          <a:ext cx="12191999" cy="5161429"/>
         </p:xfrm>
         <a:graphic>
           <a:graphicData uri="http://schemas.openxmlformats.org/drawingml/2006/table">
@@ -14890,42 +14890,42 @@
                     </a:ext>
                   </a:extLst>
                 </a:gridCol>
-                <a:gridCol w="1188767">
+                <a:gridCol w="1298751">
                   <a:extLst>
                     <a:ext uri="{9D8B030D-6E8A-4147-A177-3AD203B41FA5}">
                       <a16:colId xmlns:a16="http://schemas.microsoft.com/office/drawing/2014/main" val="20002"/>
                     </a:ext>
                   </a:extLst>
                 </a:gridCol>
-                <a:gridCol w="1445541">
+                <a:gridCol w="1498862">
                   <a:extLst>
                     <a:ext uri="{9D8B030D-6E8A-4147-A177-3AD203B41FA5}">
                       <a16:colId xmlns:a16="http://schemas.microsoft.com/office/drawing/2014/main" val="20003"/>
                     </a:ext>
                   </a:extLst>
                 </a:gridCol>
-                <a:gridCol w="1445542">
+                <a:gridCol w="1395167">
                   <a:extLst>
                     <a:ext uri="{9D8B030D-6E8A-4147-A177-3AD203B41FA5}">
                       <a16:colId xmlns:a16="http://schemas.microsoft.com/office/drawing/2014/main" val="20004"/>
                     </a:ext>
                   </a:extLst>
                 </a:gridCol>
-                <a:gridCol w="2957654">
+                <a:gridCol w="2894029">
                   <a:extLst>
                     <a:ext uri="{9D8B030D-6E8A-4147-A177-3AD203B41FA5}">
                       <a16:colId xmlns:a16="http://schemas.microsoft.com/office/drawing/2014/main" val="20005"/>
                     </a:ext>
                   </a:extLst>
                 </a:gridCol>
-                <a:gridCol w="1453899">
+                <a:gridCol w="1423447">
                   <a:extLst>
                     <a:ext uri="{9D8B030D-6E8A-4147-A177-3AD203B41FA5}">
                       <a16:colId xmlns:a16="http://schemas.microsoft.com/office/drawing/2014/main" val="20006"/>
                     </a:ext>
                   </a:extLst>
                 </a:gridCol>
-                <a:gridCol w="1304040">
+                <a:gridCol w="1285187">
                   <a:extLst>
                     <a:ext uri="{9D8B030D-6E8A-4147-A177-3AD203B41FA5}">
                       <a16:colId xmlns:a16="http://schemas.microsoft.com/office/drawing/2014/main" val="20007"/>
@@ -15935,7 +15935,23 @@
                     <a:bodyPr/>
                     <a:lstStyle/>
                     <a:p>
-                      <a:pPr marL="0" algn="l" defTabSz="457200" rtl="0" eaLnBrk="1" latinLnBrk="0" hangingPunct="1"/>
+                      <a:pPr marL="0" marR="0" lvl="0" indent="0" algn="l" defTabSz="457200" rtl="0" eaLnBrk="1" fontAlgn="auto" latinLnBrk="0" hangingPunct="1">
+                        <a:lnSpc>
+                          <a:spcPct val="100000"/>
+                        </a:lnSpc>
+                        <a:spcBef>
+                          <a:spcPts val="0"/>
+                        </a:spcBef>
+                        <a:spcAft>
+                          <a:spcPts val="0"/>
+                        </a:spcAft>
+                        <a:buClrTx/>
+                        <a:buSzTx/>
+                        <a:buFontTx/>
+                        <a:buNone/>
+                        <a:tabLst/>
+                        <a:defRPr/>
+                      </a:pPr>
                       <a:r>
                         <a:rPr lang="en-US" sz="1900" kern="1200" baseline="0" dirty="0">
                           <a:solidFill>
@@ -15945,8 +15961,30 @@
                           <a:ea typeface="+mn-ea"/>
                           <a:cs typeface="+mn-cs"/>
                         </a:rPr>
-                        <a:t>Windows</a:t>
-                      </a:r>
+                        <a:t>Windows </a:t>
+                      </a:r>
+                      <a:r>
+                        <a:rPr lang="en-US" sz="1900" kern="1200" dirty="0">
+                          <a:solidFill>
+                            <a:schemeClr val="tx1"/>
+                          </a:solidFill>
+                          <a:latin typeface="Calibri" panose="020F0502020204030204" pitchFamily="34" charset="0"/>
+                          <a:ea typeface="+mn-ea"/>
+                          <a:cs typeface="+mn-cs"/>
+                        </a:rPr>
+                        <a:t>Server 2016 Base 10</a:t>
+                      </a:r>
+                    </a:p>
+                    <a:p>
+                      <a:pPr marL="0" algn="l" defTabSz="457200" rtl="0" eaLnBrk="1" latinLnBrk="0" hangingPunct="1"/>
+                      <a:endParaRPr lang="en-US" sz="1900" kern="1200" baseline="0" dirty="0">
+                        <a:solidFill>
+                          <a:schemeClr val="tx1"/>
+                        </a:solidFill>
+                        <a:latin typeface="Calibri" panose="020F0502020204030204" pitchFamily="34" charset="0"/>
+                        <a:ea typeface="+mn-ea"/>
+                        <a:cs typeface="+mn-cs"/>
+                      </a:endParaRPr>
                     </a:p>
                   </a:txBody>
                   <a:tcPr marL="121920" marR="121920" marT="60960" marB="60960" anchor="ctr">
@@ -16080,7 +16118,7 @@
                           <a:ea typeface="+mn-ea"/>
                           <a:cs typeface="+mn-cs"/>
                         </a:rPr>
-                        <a:t>Server 2016 Base 10</a:t>
+                        <a:t>EC2</a:t>
                       </a:r>
                     </a:p>
                   </a:txBody>
@@ -16783,7 +16821,7 @@
                     <a:bodyPr/>
                     <a:lstStyle/>
                     <a:p>
-                      <a:pPr marL="0" marR="0" indent="0" algn="l" defTabSz="457200" rtl="0" eaLnBrk="1" fontAlgn="auto" latinLnBrk="0" hangingPunct="1">
+                      <a:pPr marL="0" marR="0" lvl="0" indent="0" algn="l" defTabSz="457200" rtl="0" eaLnBrk="1" fontAlgn="auto" latinLnBrk="0" hangingPunct="1">
                         <a:lnSpc>
                           <a:spcPct val="100000"/>
                         </a:lnSpc>
@@ -16809,7 +16847,18 @@
                           <a:ea typeface="+mn-ea"/>
                           <a:cs typeface="+mn-cs"/>
                         </a:rPr>
-                        <a:t>Windows</a:t>
+                        <a:t>Windows </a:t>
+                      </a:r>
+                      <a:r>
+                        <a:rPr lang="en-US" sz="1900" kern="1200" dirty="0">
+                          <a:solidFill>
+                            <a:schemeClr val="tx1"/>
+                          </a:solidFill>
+                          <a:latin typeface="Calibri" panose="020F0502020204030204" pitchFamily="34" charset="0"/>
+                          <a:ea typeface="+mn-ea"/>
+                          <a:cs typeface="+mn-cs"/>
+                        </a:rPr>
+                        <a:t>Server 2016 Base 10</a:t>
                       </a:r>
                     </a:p>
                   </a:txBody>
@@ -16965,7 +17014,7 @@
                           <a:ea typeface="+mn-ea"/>
                           <a:cs typeface="+mn-cs"/>
                         </a:rPr>
-                        <a:t>Server 2016 Base 10</a:t>
+                        <a:t>EC2</a:t>
                       </a:r>
                     </a:p>
                   </a:txBody>
@@ -17644,14 +17693,14 @@
           <p:nvPr>
             <p:extLst>
               <p:ext uri="{D42A27DB-BD31-4B8C-83A1-F6EECF244321}">
-                <p14:modId xmlns:p14="http://schemas.microsoft.com/office/powerpoint/2010/main" val="3299690299"/>
+                <p14:modId xmlns:p14="http://schemas.microsoft.com/office/powerpoint/2010/main" val="2813682543"/>
               </p:ext>
             </p:extLst>
           </p:nvPr>
         </p:nvGraphicFramePr>
         <p:xfrm>
           <a:off x="0" y="1263193"/>
-          <a:ext cx="12191999" cy="1941279"/>
+          <a:ext cx="12191999" cy="2433469"/>
         </p:xfrm>
         <a:graphic>
           <a:graphicData uri="http://schemas.openxmlformats.org/drawingml/2006/table">
@@ -18817,12 +18866,45 @@
                     <a:bodyPr/>
                     <a:lstStyle/>
                     <a:p>
+                      <a:pPr marL="0" marR="0" lvl="0" indent="0" algn="l" defTabSz="914400" rtl="0" eaLnBrk="1" fontAlgn="auto" latinLnBrk="0" hangingPunct="1">
+                        <a:lnSpc>
+                          <a:spcPct val="100000"/>
+                        </a:lnSpc>
+                        <a:spcBef>
+                          <a:spcPts val="0"/>
+                        </a:spcBef>
+                        <a:spcAft>
+                          <a:spcPts val="0"/>
+                        </a:spcAft>
+                        <a:buClrTx/>
+                        <a:buSzTx/>
+                        <a:buFontTx/>
+                        <a:buNone/>
+                        <a:tabLst/>
+                        <a:defRPr/>
+                      </a:pPr>
                       <a:r>
                         <a:rPr lang="en-US" sz="1900" dirty="0">
                           <a:latin typeface="Calibri" panose="020F0502020204030204" pitchFamily="34" charset="0"/>
                         </a:rPr>
-                        <a:t>Windows</a:t>
-                      </a:r>
+                        <a:t>Window </a:t>
+                      </a:r>
+                      <a:r>
+                        <a:rPr lang="en-US" sz="1900" kern="1200" dirty="0">
+                          <a:solidFill>
+                            <a:schemeClr val="tx1"/>
+                          </a:solidFill>
+                          <a:latin typeface="Calibri" panose="020F0502020204030204" pitchFamily="34" charset="0"/>
+                          <a:ea typeface="+mn-ea"/>
+                          <a:cs typeface="+mn-cs"/>
+                        </a:rPr>
+                        <a:t>Server 2016 Base 10</a:t>
+                      </a:r>
+                    </a:p>
+                    <a:p>
+                      <a:endParaRPr lang="en-US" sz="1900" dirty="0">
+                        <a:latin typeface="Calibri" panose="020F0502020204030204" pitchFamily="34" charset="0"/>
+                      </a:endParaRPr>
                     </a:p>
                   </a:txBody>
                   <a:tcPr marL="121920" marR="121920" marT="60960" marB="60960" anchor="ctr">
@@ -18977,7 +19059,7 @@
                           <a:ea typeface="+mn-ea"/>
                           <a:cs typeface="+mn-cs"/>
                         </a:rPr>
-                        <a:t>Server 2016 Base 10</a:t>
+                        <a:t>EC2</a:t>
                       </a:r>
                     </a:p>
                   </a:txBody>
@@ -19111,7 +19193,7 @@
                         <a:rPr lang="en-US" sz="1900" dirty="0">
                           <a:latin typeface="Calibri" panose="020F0502020204030204" pitchFamily="34" charset="0"/>
                         </a:rPr>
-                        <a:t>T3.large</a:t>
+                        <a:t>T2.2xlarge</a:t>
                       </a:r>
                     </a:p>
                   </a:txBody>
@@ -19314,7 +19396,7 @@
                         <a:rPr lang="en-US" sz="1900" dirty="0">
                           <a:latin typeface="Calibri" panose="020F0502020204030204" pitchFamily="34" charset="0"/>
                         </a:rPr>
-                        <a:t>32</a:t>
+                        <a:t>2</a:t>
                       </a:r>
                     </a:p>
                   </a:txBody>
@@ -19615,7 +19697,7 @@
           <p:nvPr>
             <p:extLst>
               <p:ext uri="{D42A27DB-BD31-4B8C-83A1-F6EECF244321}">
-                <p14:modId xmlns:p14="http://schemas.microsoft.com/office/powerpoint/2010/main" val="2455118897"/>
+                <p14:modId xmlns:p14="http://schemas.microsoft.com/office/powerpoint/2010/main" val="1113706905"/>
               </p:ext>
             </p:extLst>
           </p:nvPr>
@@ -20661,7 +20743,7 @@
                         <a:rPr lang="en-US" sz="1900" dirty="0">
                           <a:latin typeface="Calibri" panose="020F0502020204030204" pitchFamily="34" charset="0"/>
                         </a:rPr>
-                        <a:t>2</a:t>
+                        <a:t>Web Instances Subnets</a:t>
                       </a:r>
                     </a:p>
                   </a:txBody>
@@ -21383,7 +21465,7 @@
                         <a:rPr lang="en-US" sz="1900" dirty="0">
                           <a:latin typeface="Calibri" panose="020F0502020204030204" pitchFamily="34" charset="0"/>
                         </a:rPr>
-                        <a:t>2</a:t>
+                        <a:t>Application Instances Subnets</a:t>
                       </a:r>
                     </a:p>
                   </a:txBody>
@@ -24419,7 +24501,7 @@
           <p:nvPr>
             <p:extLst>
               <p:ext uri="{D42A27DB-BD31-4B8C-83A1-F6EECF244321}">
-                <p14:modId xmlns:p14="http://schemas.microsoft.com/office/powerpoint/2010/main" val="737717818"/>
+                <p14:modId xmlns:p14="http://schemas.microsoft.com/office/powerpoint/2010/main" val="3311383089"/>
               </p:ext>
             </p:extLst>
           </p:nvPr>
@@ -25301,6 +25383,36 @@
                         <a:t>Windows</a:t>
                       </a:r>
                     </a:p>
+                    <a:p>
+                      <a:pPr marL="0" marR="0" lvl="0" indent="0" algn="l" defTabSz="457200" rtl="0" eaLnBrk="1" fontAlgn="auto" latinLnBrk="0" hangingPunct="1">
+                        <a:lnSpc>
+                          <a:spcPct val="100000"/>
+                        </a:lnSpc>
+                        <a:spcBef>
+                          <a:spcPts val="0"/>
+                        </a:spcBef>
+                        <a:spcAft>
+                          <a:spcPts val="0"/>
+                        </a:spcAft>
+                        <a:buClrTx/>
+                        <a:buSzTx/>
+                        <a:buFontTx/>
+                        <a:buNone/>
+                        <a:tabLst/>
+                        <a:defRPr/>
+                      </a:pPr>
+                      <a:r>
+                        <a:rPr lang="en-US" sz="1900" kern="1200" dirty="0">
+                          <a:solidFill>
+                            <a:schemeClr val="tx1"/>
+                          </a:solidFill>
+                          <a:latin typeface="Calibri" panose="020F0502020204030204" pitchFamily="34" charset="0"/>
+                          <a:ea typeface="+mn-ea"/>
+                          <a:cs typeface="+mn-cs"/>
+                        </a:rPr>
+                        <a:t>Server 2016 Base 10</a:t>
+                      </a:r>
+                    </a:p>
                   </a:txBody>
                   <a:tcPr marL="121920" marR="121920" marT="60960" marB="60960" anchor="ctr">
                     <a:lnL w="12700" cmpd="sng">
@@ -25450,7 +25562,7 @@
                           <a:ea typeface="+mn-ea"/>
                           <a:cs typeface="+mn-cs"/>
                         </a:rPr>
-                        <a:t>Server 2016 Base 10</a:t>
+                        <a:t>EFS</a:t>
                       </a:r>
                     </a:p>
                   </a:txBody>
@@ -25971,7 +26083,7 @@
                     <a:bodyPr/>
                     <a:lstStyle/>
                     <a:p>
-                      <a:pPr marL="0" marR="0" indent="0" algn="l" defTabSz="457200" rtl="0" eaLnBrk="1" fontAlgn="auto" latinLnBrk="0" hangingPunct="1">
+                      <a:pPr marL="0" marR="0" lvl="0" indent="0" algn="l" defTabSz="457200" rtl="0" eaLnBrk="1" fontAlgn="auto" latinLnBrk="0" hangingPunct="1">
                         <a:lnSpc>
                           <a:spcPct val="100000"/>
                         </a:lnSpc>
@@ -25997,7 +26109,18 @@
                           <a:ea typeface="+mn-ea"/>
                           <a:cs typeface="+mn-cs"/>
                         </a:rPr>
-                        <a:t>Windows</a:t>
+                        <a:t>Windows </a:t>
+                      </a:r>
+                      <a:r>
+                        <a:rPr lang="en-US" sz="1900" kern="1200" dirty="0">
+                          <a:solidFill>
+                            <a:schemeClr val="tx1"/>
+                          </a:solidFill>
+                          <a:latin typeface="Calibri" panose="020F0502020204030204" pitchFamily="34" charset="0"/>
+                          <a:ea typeface="+mn-ea"/>
+                          <a:cs typeface="+mn-cs"/>
+                        </a:rPr>
+                        <a:t>Server 2016 Base 10</a:t>
                       </a:r>
                     </a:p>
                   </a:txBody>
@@ -26149,7 +26272,7 @@
                           <a:ea typeface="+mn-ea"/>
                           <a:cs typeface="+mn-cs"/>
                         </a:rPr>
-                        <a:t>Server 2016 Base 10</a:t>
+                        <a:t>EFS</a:t>
                       </a:r>
                     </a:p>
                   </a:txBody>
@@ -36083,13 +36206,13 @@
           <p:nvPr>
             <p:extLst>
               <p:ext uri="{D42A27DB-BD31-4B8C-83A1-F6EECF244321}">
-                <p14:modId xmlns:p14="http://schemas.microsoft.com/office/powerpoint/2010/main" val="1858668625"/>
+                <p14:modId xmlns:p14="http://schemas.microsoft.com/office/powerpoint/2010/main" val="1548159781"/>
               </p:ext>
             </p:extLst>
           </p:nvPr>
         </p:nvGraphicFramePr>
         <p:xfrm>
-          <a:off x="693549" y="2010486"/>
+          <a:off x="693549" y="2042854"/>
           <a:ext cx="10924946" cy="2122385"/>
         </p:xfrm>
         <a:graphic>

--- a/Cloud_Computing/Labs/Assignment/part 1/Solution Template.pptx
+++ b/Cloud_Computing/Labs/Assignment/part 1/Solution Template.pptx
@@ -215,7 +215,7 @@
           <a:p>
             <a:fld id="{901573B9-73F1-8C4E-BD0C-C838745D5DAA}" type="datetimeFigureOut">
               <a:rPr lang="en-GB" smtClean="0"/>
-              <a:t>14/11/2018</a:t>
+              <a:t>15/11/2018</a:t>
             </a:fld>
             <a:endParaRPr lang="en-GB"/>
           </a:p>
@@ -2136,7 +2136,7 @@
           <a:p>
             <a:fld id="{B36DA745-2800-624C-8416-BA05E103A172}" type="datetimeFigureOut">
               <a:rPr lang="en-GB" smtClean="0"/>
-              <a:t>14/11/2018</a:t>
+              <a:t>15/11/2018</a:t>
             </a:fld>
             <a:endParaRPr lang="en-GB"/>
           </a:p>
@@ -2336,7 +2336,7 @@
           <a:p>
             <a:fld id="{B36DA745-2800-624C-8416-BA05E103A172}" type="datetimeFigureOut">
               <a:rPr lang="en-GB" smtClean="0"/>
-              <a:t>14/11/2018</a:t>
+              <a:t>15/11/2018</a:t>
             </a:fld>
             <a:endParaRPr lang="en-GB"/>
           </a:p>
@@ -2546,7 +2546,7 @@
           <a:p>
             <a:fld id="{B36DA745-2800-624C-8416-BA05E103A172}" type="datetimeFigureOut">
               <a:rPr lang="en-GB" smtClean="0"/>
-              <a:t>14/11/2018</a:t>
+              <a:t>15/11/2018</a:t>
             </a:fld>
             <a:endParaRPr lang="en-GB"/>
           </a:p>
@@ -3502,7 +3502,7 @@
           <a:p>
             <a:fld id="{B36DA745-2800-624C-8416-BA05E103A172}" type="datetimeFigureOut">
               <a:rPr lang="en-GB" smtClean="0"/>
-              <a:t>14/11/2018</a:t>
+              <a:t>15/11/2018</a:t>
             </a:fld>
             <a:endParaRPr lang="en-GB"/>
           </a:p>
@@ -3778,7 +3778,7 @@
           <a:p>
             <a:fld id="{B36DA745-2800-624C-8416-BA05E103A172}" type="datetimeFigureOut">
               <a:rPr lang="en-GB" smtClean="0"/>
-              <a:t>14/11/2018</a:t>
+              <a:t>15/11/2018</a:t>
             </a:fld>
             <a:endParaRPr lang="en-GB"/>
           </a:p>
@@ -4046,7 +4046,7 @@
           <a:p>
             <a:fld id="{B36DA745-2800-624C-8416-BA05E103A172}" type="datetimeFigureOut">
               <a:rPr lang="en-GB" smtClean="0"/>
-              <a:t>14/11/2018</a:t>
+              <a:t>15/11/2018</a:t>
             </a:fld>
             <a:endParaRPr lang="en-GB"/>
           </a:p>
@@ -4461,7 +4461,7 @@
           <a:p>
             <a:fld id="{B36DA745-2800-624C-8416-BA05E103A172}" type="datetimeFigureOut">
               <a:rPr lang="en-GB" smtClean="0"/>
-              <a:t>14/11/2018</a:t>
+              <a:t>15/11/2018</a:t>
             </a:fld>
             <a:endParaRPr lang="en-GB"/>
           </a:p>
@@ -4603,7 +4603,7 @@
           <a:p>
             <a:fld id="{B36DA745-2800-624C-8416-BA05E103A172}" type="datetimeFigureOut">
               <a:rPr lang="en-GB" smtClean="0"/>
-              <a:t>14/11/2018</a:t>
+              <a:t>15/11/2018</a:t>
             </a:fld>
             <a:endParaRPr lang="en-GB"/>
           </a:p>
@@ -4716,7 +4716,7 @@
           <a:p>
             <a:fld id="{B36DA745-2800-624C-8416-BA05E103A172}" type="datetimeFigureOut">
               <a:rPr lang="en-GB" smtClean="0"/>
-              <a:t>14/11/2018</a:t>
+              <a:t>15/11/2018</a:t>
             </a:fld>
             <a:endParaRPr lang="en-GB"/>
           </a:p>
@@ -5029,7 +5029,7 @@
           <a:p>
             <a:fld id="{B36DA745-2800-624C-8416-BA05E103A172}" type="datetimeFigureOut">
               <a:rPr lang="en-GB" smtClean="0"/>
-              <a:t>14/11/2018</a:t>
+              <a:t>15/11/2018</a:t>
             </a:fld>
             <a:endParaRPr lang="en-GB"/>
           </a:p>
@@ -5318,7 +5318,7 @@
           <a:p>
             <a:fld id="{B36DA745-2800-624C-8416-BA05E103A172}" type="datetimeFigureOut">
               <a:rPr lang="en-GB" smtClean="0"/>
-              <a:t>14/11/2018</a:t>
+              <a:t>15/11/2018</a:t>
             </a:fld>
             <a:endParaRPr lang="en-GB"/>
           </a:p>
@@ -5561,7 +5561,7 @@
           <a:p>
             <a:fld id="{B36DA745-2800-624C-8416-BA05E103A172}" type="datetimeFigureOut">
               <a:rPr lang="en-GB" smtClean="0"/>
-              <a:t>14/11/2018</a:t>
+              <a:t>15/11/2018</a:t>
             </a:fld>
             <a:endParaRPr lang="en-GB"/>
           </a:p>
@@ -17693,7 +17693,7 @@
           <p:nvPr>
             <p:extLst>
               <p:ext uri="{D42A27DB-BD31-4B8C-83A1-F6EECF244321}">
-                <p14:modId xmlns:p14="http://schemas.microsoft.com/office/powerpoint/2010/main" val="2813682543"/>
+                <p14:modId xmlns:p14="http://schemas.microsoft.com/office/powerpoint/2010/main" val="2424108168"/>
               </p:ext>
             </p:extLst>
           </p:nvPr>
@@ -19059,7 +19059,7 @@
                           <a:ea typeface="+mn-ea"/>
                           <a:cs typeface="+mn-cs"/>
                         </a:rPr>
-                        <a:t>EC2</a:t>
+                        <a:t>RDS</a:t>
                       </a:r>
                     </a:p>
                   </a:txBody>
@@ -29861,29 +29861,35 @@
           </a:p>
         </p:txBody>
       </p:sp>
-      <p:sp>
-        <p:nvSpPr>
-          <p:cNvPr id="3" name="Content Placeholder 2"/>
-          <p:cNvSpPr>
-            <a:spLocks noGrp="1"/>
-          </p:cNvSpPr>
+      <p:pic>
+        <p:nvPicPr>
+          <p:cNvPr id="10" name="Content Placeholder 9" descr="A close up of a map&#10;&#10;Description generated with high confidence">
+            <a:extLst>
+              <a:ext uri="{FF2B5EF4-FFF2-40B4-BE49-F238E27FC236}">
+                <a16:creationId xmlns:a16="http://schemas.microsoft.com/office/drawing/2014/main" id="{ABFEC6B5-ED93-48F7-AA7E-5496867AFF2F}"/>
+              </a:ext>
+            </a:extLst>
+          </p:cNvPr>
+          <p:cNvPicPr>
+            <a:picLocks noGrp="1" noChangeAspect="1"/>
+          </p:cNvPicPr>
           <p:nvPr>
             <p:ph idx="1"/>
           </p:nvPr>
-        </p:nvSpPr>
-        <p:spPr/>
-        <p:txBody>
-          <a:bodyPr/>
-          <a:lstStyle/>
-          <a:p>
-            <a:pPr marL="457189" indent="-457189">
-              <a:buFont typeface="Arial" charset="0"/>
-              <a:buChar char="•"/>
-            </a:pPr>
-            <a:endParaRPr lang="en-US" dirty="0"/>
-          </a:p>
-        </p:txBody>
-      </p:sp>
+        </p:nvPicPr>
+        <p:blipFill>
+          <a:blip r:embed="rId3"/>
+          <a:stretch>
+            <a:fillRect/>
+          </a:stretch>
+        </p:blipFill>
+        <p:spPr>
+          <a:xfrm>
+            <a:off x="1263600" y="1825625"/>
+            <a:ext cx="9664800" cy="4351338"/>
+          </a:xfrm>
+        </p:spPr>
+      </p:pic>
       <p:sp>
         <p:nvSpPr>
           <p:cNvPr id="4" name="Footer Placeholder 3"/>
